--- a/ppt 16-9/0282.神的话是我生命.pptx
+++ b/ppt 16-9/0282.神的话是我生命.pptx
@@ -5,7 +5,7 @@
     <p:sldMasterId id="2147483648" r:id="rId1"/>
   </p:sldMasterIdLst>
   <p:sldIdLst>
-    <p:sldId id="3147" r:id="rId2"/>
+    <p:sldId id="3150" r:id="rId2"/>
   </p:sldIdLst>
   <p:sldSz cx="12192000" cy="6858000"/>
   <p:notesSz cx="6858000" cy="9144000"/>
@@ -129,7 +129,7 @@
           <p:cNvPr id="2" name="标题 1">
             <a:extLst>
               <a:ext uri="{FF2B5EF4-FFF2-40B4-BE49-F238E27FC236}">
-                <a16:creationId xmlns:a16="http://schemas.microsoft.com/office/drawing/2014/main" id="{74C11F86-25A1-C0B1-5075-9F6B61CB4252}"/>
+                <a16:creationId xmlns:a16="http://schemas.microsoft.com/office/drawing/2014/main" id="{EE9BEF1A-DA95-32C1-9C88-E08F0DF1932B}"/>
               </a:ext>
             </a:extLst>
           </p:cNvPr>
@@ -166,7 +166,7 @@
           <p:cNvPr id="3" name="副标题 2">
             <a:extLst>
               <a:ext uri="{FF2B5EF4-FFF2-40B4-BE49-F238E27FC236}">
-                <a16:creationId xmlns:a16="http://schemas.microsoft.com/office/drawing/2014/main" id="{1F330641-C06F-779D-859E-B731AFECDE37}"/>
+                <a16:creationId xmlns:a16="http://schemas.microsoft.com/office/drawing/2014/main" id="{80137431-42D7-DCD8-28FE-1E4C80DDF2BB}"/>
               </a:ext>
             </a:extLst>
           </p:cNvPr>
@@ -236,7 +236,7 @@
           <p:cNvPr id="4" name="日期占位符 3">
             <a:extLst>
               <a:ext uri="{FF2B5EF4-FFF2-40B4-BE49-F238E27FC236}">
-                <a16:creationId xmlns:a16="http://schemas.microsoft.com/office/drawing/2014/main" id="{53F00717-DD1A-F655-C72C-EC4DB3F5875C}"/>
+                <a16:creationId xmlns:a16="http://schemas.microsoft.com/office/drawing/2014/main" id="{1A4DD5CB-428D-C6DA-4770-56C980E31424}"/>
               </a:ext>
             </a:extLst>
           </p:cNvPr>
@@ -252,7 +252,7 @@
           <a:bodyPr/>
           <a:lstStyle/>
           <a:p>
-            <a:fld id="{F722C579-4CED-4A3D-B255-538E77C904CB}" type="datetimeFigureOut">
+            <a:fld id="{2C272E97-1D81-47DD-BEBB-E0E1654830EB}" type="datetimeFigureOut">
               <a:rPr lang="zh-CN" altLang="en-US" smtClean="0"/>
               <a:t>2024/3/10</a:t>
             </a:fld>
@@ -265,7 +265,7 @@
           <p:cNvPr id="5" name="页脚占位符 4">
             <a:extLst>
               <a:ext uri="{FF2B5EF4-FFF2-40B4-BE49-F238E27FC236}">
-                <a16:creationId xmlns:a16="http://schemas.microsoft.com/office/drawing/2014/main" id="{42D7227B-BB67-C090-AFE1-1FC1F6513AD8}"/>
+                <a16:creationId xmlns:a16="http://schemas.microsoft.com/office/drawing/2014/main" id="{86D2717F-6591-2838-C1B1-4497B99E1079}"/>
               </a:ext>
             </a:extLst>
           </p:cNvPr>
@@ -290,7 +290,7 @@
           <p:cNvPr id="6" name="灯片编号占位符 5">
             <a:extLst>
               <a:ext uri="{FF2B5EF4-FFF2-40B4-BE49-F238E27FC236}">
-                <a16:creationId xmlns:a16="http://schemas.microsoft.com/office/drawing/2014/main" id="{52479091-7153-A028-BAF3-67ACE4C36619}"/>
+                <a16:creationId xmlns:a16="http://schemas.microsoft.com/office/drawing/2014/main" id="{16D826C5-4A25-B1DD-A493-0BEE974B6E2B}"/>
               </a:ext>
             </a:extLst>
           </p:cNvPr>
@@ -306,7 +306,7 @@
           <a:bodyPr/>
           <a:lstStyle/>
           <a:p>
-            <a:fld id="{11C9A1C7-94DA-4D2E-AC32-97BBE0A42EC2}" type="slidenum">
+            <a:fld id="{A26B2B7B-7820-434D-8353-467D6CDEAA1B}" type="slidenum">
               <a:rPr lang="zh-CN" altLang="en-US" smtClean="0"/>
               <a:t>‹#›</a:t>
             </a:fld>
@@ -317,7 +317,7 @@
     </p:spTree>
     <p:extLst>
       <p:ext uri="{BB962C8B-B14F-4D97-AF65-F5344CB8AC3E}">
-        <p14:creationId xmlns:p14="http://schemas.microsoft.com/office/powerpoint/2010/main" val="395668939"/>
+        <p14:creationId xmlns:p14="http://schemas.microsoft.com/office/powerpoint/2010/main" val="1619092095"/>
       </p:ext>
     </p:extLst>
   </p:cSld>
@@ -349,7 +349,7 @@
           <p:cNvPr id="2" name="标题 1">
             <a:extLst>
               <a:ext uri="{FF2B5EF4-FFF2-40B4-BE49-F238E27FC236}">
-                <a16:creationId xmlns:a16="http://schemas.microsoft.com/office/drawing/2014/main" id="{801FC0F2-2C9F-30B2-8BD0-480831082A8B}"/>
+                <a16:creationId xmlns:a16="http://schemas.microsoft.com/office/drawing/2014/main" id="{ADBE9ABA-959E-59C4-6574-7A2F613725C9}"/>
               </a:ext>
             </a:extLst>
           </p:cNvPr>
@@ -377,7 +377,7 @@
           <p:cNvPr id="3" name="竖排文字占位符 2">
             <a:extLst>
               <a:ext uri="{FF2B5EF4-FFF2-40B4-BE49-F238E27FC236}">
-                <a16:creationId xmlns:a16="http://schemas.microsoft.com/office/drawing/2014/main" id="{C3FF33F0-B16E-756A-A976-5820C7177735}"/>
+                <a16:creationId xmlns:a16="http://schemas.microsoft.com/office/drawing/2014/main" id="{0EA10031-9FEA-663E-627C-46C987C4E7A9}"/>
               </a:ext>
             </a:extLst>
           </p:cNvPr>
@@ -434,7 +434,7 @@
           <p:cNvPr id="4" name="日期占位符 3">
             <a:extLst>
               <a:ext uri="{FF2B5EF4-FFF2-40B4-BE49-F238E27FC236}">
-                <a16:creationId xmlns:a16="http://schemas.microsoft.com/office/drawing/2014/main" id="{4375EBB2-4257-901E-8434-E3D34B287EF8}"/>
+                <a16:creationId xmlns:a16="http://schemas.microsoft.com/office/drawing/2014/main" id="{232CF620-B5D3-C12E-EC50-88B2374EA7D9}"/>
               </a:ext>
             </a:extLst>
           </p:cNvPr>
@@ -450,7 +450,7 @@
           <a:bodyPr/>
           <a:lstStyle/>
           <a:p>
-            <a:fld id="{F722C579-4CED-4A3D-B255-538E77C904CB}" type="datetimeFigureOut">
+            <a:fld id="{2C272E97-1D81-47DD-BEBB-E0E1654830EB}" type="datetimeFigureOut">
               <a:rPr lang="zh-CN" altLang="en-US" smtClean="0"/>
               <a:t>2024/3/10</a:t>
             </a:fld>
@@ -463,7 +463,7 @@
           <p:cNvPr id="5" name="页脚占位符 4">
             <a:extLst>
               <a:ext uri="{FF2B5EF4-FFF2-40B4-BE49-F238E27FC236}">
-                <a16:creationId xmlns:a16="http://schemas.microsoft.com/office/drawing/2014/main" id="{04F83D9B-9A6C-A318-7425-72751E79C828}"/>
+                <a16:creationId xmlns:a16="http://schemas.microsoft.com/office/drawing/2014/main" id="{EABB6FFA-4748-DA84-F74D-E53AEF7BBED9}"/>
               </a:ext>
             </a:extLst>
           </p:cNvPr>
@@ -488,7 +488,7 @@
           <p:cNvPr id="6" name="灯片编号占位符 5">
             <a:extLst>
               <a:ext uri="{FF2B5EF4-FFF2-40B4-BE49-F238E27FC236}">
-                <a16:creationId xmlns:a16="http://schemas.microsoft.com/office/drawing/2014/main" id="{432692E0-D64A-893E-31FA-EE8F187D112B}"/>
+                <a16:creationId xmlns:a16="http://schemas.microsoft.com/office/drawing/2014/main" id="{F294340F-28DB-5867-2D26-C21D4957397E}"/>
               </a:ext>
             </a:extLst>
           </p:cNvPr>
@@ -504,7 +504,7 @@
           <a:bodyPr/>
           <a:lstStyle/>
           <a:p>
-            <a:fld id="{11C9A1C7-94DA-4D2E-AC32-97BBE0A42EC2}" type="slidenum">
+            <a:fld id="{A26B2B7B-7820-434D-8353-467D6CDEAA1B}" type="slidenum">
               <a:rPr lang="zh-CN" altLang="en-US" smtClean="0"/>
               <a:t>‹#›</a:t>
             </a:fld>
@@ -515,7 +515,7 @@
     </p:spTree>
     <p:extLst>
       <p:ext uri="{BB962C8B-B14F-4D97-AF65-F5344CB8AC3E}">
-        <p14:creationId xmlns:p14="http://schemas.microsoft.com/office/powerpoint/2010/main" val="1834298157"/>
+        <p14:creationId xmlns:p14="http://schemas.microsoft.com/office/powerpoint/2010/main" val="1500899176"/>
       </p:ext>
     </p:extLst>
   </p:cSld>
@@ -547,7 +547,7 @@
           <p:cNvPr id="2" name="竖排标题 1">
             <a:extLst>
               <a:ext uri="{FF2B5EF4-FFF2-40B4-BE49-F238E27FC236}">
-                <a16:creationId xmlns:a16="http://schemas.microsoft.com/office/drawing/2014/main" id="{49E16AFD-755E-F2C0-3A9F-5F05C00253BB}"/>
+                <a16:creationId xmlns:a16="http://schemas.microsoft.com/office/drawing/2014/main" id="{793EF173-B22F-1E13-6DD8-0A9D897C8219}"/>
               </a:ext>
             </a:extLst>
           </p:cNvPr>
@@ -580,7 +580,7 @@
           <p:cNvPr id="3" name="竖排文字占位符 2">
             <a:extLst>
               <a:ext uri="{FF2B5EF4-FFF2-40B4-BE49-F238E27FC236}">
-                <a16:creationId xmlns:a16="http://schemas.microsoft.com/office/drawing/2014/main" id="{5E03CB4A-1D5A-EBDC-9D21-17E9CE2C5DAD}"/>
+                <a16:creationId xmlns:a16="http://schemas.microsoft.com/office/drawing/2014/main" id="{E1937B95-F48B-5AD5-CE7E-E5044A8F1330}"/>
               </a:ext>
             </a:extLst>
           </p:cNvPr>
@@ -642,7 +642,7 @@
           <p:cNvPr id="4" name="日期占位符 3">
             <a:extLst>
               <a:ext uri="{FF2B5EF4-FFF2-40B4-BE49-F238E27FC236}">
-                <a16:creationId xmlns:a16="http://schemas.microsoft.com/office/drawing/2014/main" id="{B1A14A93-2504-3E6D-6984-6E14394D5D54}"/>
+                <a16:creationId xmlns:a16="http://schemas.microsoft.com/office/drawing/2014/main" id="{C9A3CB14-280D-6DDA-E140-BF0A3DD67B52}"/>
               </a:ext>
             </a:extLst>
           </p:cNvPr>
@@ -658,7 +658,7 @@
           <a:bodyPr/>
           <a:lstStyle/>
           <a:p>
-            <a:fld id="{F722C579-4CED-4A3D-B255-538E77C904CB}" type="datetimeFigureOut">
+            <a:fld id="{2C272E97-1D81-47DD-BEBB-E0E1654830EB}" type="datetimeFigureOut">
               <a:rPr lang="zh-CN" altLang="en-US" smtClean="0"/>
               <a:t>2024/3/10</a:t>
             </a:fld>
@@ -671,7 +671,7 @@
           <p:cNvPr id="5" name="页脚占位符 4">
             <a:extLst>
               <a:ext uri="{FF2B5EF4-FFF2-40B4-BE49-F238E27FC236}">
-                <a16:creationId xmlns:a16="http://schemas.microsoft.com/office/drawing/2014/main" id="{C57BE870-3806-5AEF-6339-7338A2732D43}"/>
+                <a16:creationId xmlns:a16="http://schemas.microsoft.com/office/drawing/2014/main" id="{D7875710-6461-4480-F3D9-1C2FD7607880}"/>
               </a:ext>
             </a:extLst>
           </p:cNvPr>
@@ -696,7 +696,7 @@
           <p:cNvPr id="6" name="灯片编号占位符 5">
             <a:extLst>
               <a:ext uri="{FF2B5EF4-FFF2-40B4-BE49-F238E27FC236}">
-                <a16:creationId xmlns:a16="http://schemas.microsoft.com/office/drawing/2014/main" id="{21F8DB84-C95F-86D6-52BF-F161B01458E8}"/>
+                <a16:creationId xmlns:a16="http://schemas.microsoft.com/office/drawing/2014/main" id="{B0651C2A-08F0-5C46-064A-B1B597A172F4}"/>
               </a:ext>
             </a:extLst>
           </p:cNvPr>
@@ -712,7 +712,7 @@
           <a:bodyPr/>
           <a:lstStyle/>
           <a:p>
-            <a:fld id="{11C9A1C7-94DA-4D2E-AC32-97BBE0A42EC2}" type="slidenum">
+            <a:fld id="{A26B2B7B-7820-434D-8353-467D6CDEAA1B}" type="slidenum">
               <a:rPr lang="zh-CN" altLang="en-US" smtClean="0"/>
               <a:t>‹#›</a:t>
             </a:fld>
@@ -723,7 +723,7 @@
     </p:spTree>
     <p:extLst>
       <p:ext uri="{BB962C8B-B14F-4D97-AF65-F5344CB8AC3E}">
-        <p14:creationId xmlns:p14="http://schemas.microsoft.com/office/powerpoint/2010/main" val="595144575"/>
+        <p14:creationId xmlns:p14="http://schemas.microsoft.com/office/powerpoint/2010/main" val="823636884"/>
       </p:ext>
     </p:extLst>
   </p:cSld>
@@ -755,7 +755,7 @@
           <p:cNvPr id="2" name="标题 1">
             <a:extLst>
               <a:ext uri="{FF2B5EF4-FFF2-40B4-BE49-F238E27FC236}">
-                <a16:creationId xmlns:a16="http://schemas.microsoft.com/office/drawing/2014/main" id="{74D81541-FA25-E6FB-23BC-E57821ED1C69}"/>
+                <a16:creationId xmlns:a16="http://schemas.microsoft.com/office/drawing/2014/main" id="{6F742972-C6D6-B024-E9FD-89EE62FD25E3}"/>
               </a:ext>
             </a:extLst>
           </p:cNvPr>
@@ -783,7 +783,7 @@
           <p:cNvPr id="3" name="内容占位符 2">
             <a:extLst>
               <a:ext uri="{FF2B5EF4-FFF2-40B4-BE49-F238E27FC236}">
-                <a16:creationId xmlns:a16="http://schemas.microsoft.com/office/drawing/2014/main" id="{1F49D2E6-BF34-AB00-A41E-38D8A3E2E1D1}"/>
+                <a16:creationId xmlns:a16="http://schemas.microsoft.com/office/drawing/2014/main" id="{EEF1C5BB-ADDE-DDAA-61DC-B92D3A4D3585}"/>
               </a:ext>
             </a:extLst>
           </p:cNvPr>
@@ -840,7 +840,7 @@
           <p:cNvPr id="4" name="日期占位符 3">
             <a:extLst>
               <a:ext uri="{FF2B5EF4-FFF2-40B4-BE49-F238E27FC236}">
-                <a16:creationId xmlns:a16="http://schemas.microsoft.com/office/drawing/2014/main" id="{38AB74FE-E95F-0502-20CD-DB6DF16DD672}"/>
+                <a16:creationId xmlns:a16="http://schemas.microsoft.com/office/drawing/2014/main" id="{39A009A8-506C-14F9-8894-DDC86CDECF2F}"/>
               </a:ext>
             </a:extLst>
           </p:cNvPr>
@@ -856,7 +856,7 @@
           <a:bodyPr/>
           <a:lstStyle/>
           <a:p>
-            <a:fld id="{F722C579-4CED-4A3D-B255-538E77C904CB}" type="datetimeFigureOut">
+            <a:fld id="{2C272E97-1D81-47DD-BEBB-E0E1654830EB}" type="datetimeFigureOut">
               <a:rPr lang="zh-CN" altLang="en-US" smtClean="0"/>
               <a:t>2024/3/10</a:t>
             </a:fld>
@@ -869,7 +869,7 @@
           <p:cNvPr id="5" name="页脚占位符 4">
             <a:extLst>
               <a:ext uri="{FF2B5EF4-FFF2-40B4-BE49-F238E27FC236}">
-                <a16:creationId xmlns:a16="http://schemas.microsoft.com/office/drawing/2014/main" id="{E857D591-C27E-46B4-CDE5-2D6B1F8022DA}"/>
+                <a16:creationId xmlns:a16="http://schemas.microsoft.com/office/drawing/2014/main" id="{C133144F-8479-599B-8C6C-4954BCE1AAFD}"/>
               </a:ext>
             </a:extLst>
           </p:cNvPr>
@@ -894,7 +894,7 @@
           <p:cNvPr id="6" name="灯片编号占位符 5">
             <a:extLst>
               <a:ext uri="{FF2B5EF4-FFF2-40B4-BE49-F238E27FC236}">
-                <a16:creationId xmlns:a16="http://schemas.microsoft.com/office/drawing/2014/main" id="{F9F599D7-BC0F-A3A4-CF70-988BE8710FF2}"/>
+                <a16:creationId xmlns:a16="http://schemas.microsoft.com/office/drawing/2014/main" id="{6CAF3025-450D-ECFB-BD08-745AE1718826}"/>
               </a:ext>
             </a:extLst>
           </p:cNvPr>
@@ -910,7 +910,7 @@
           <a:bodyPr/>
           <a:lstStyle/>
           <a:p>
-            <a:fld id="{11C9A1C7-94DA-4D2E-AC32-97BBE0A42EC2}" type="slidenum">
+            <a:fld id="{A26B2B7B-7820-434D-8353-467D6CDEAA1B}" type="slidenum">
               <a:rPr lang="zh-CN" altLang="en-US" smtClean="0"/>
               <a:t>‹#›</a:t>
             </a:fld>
@@ -921,7 +921,7 @@
     </p:spTree>
     <p:extLst>
       <p:ext uri="{BB962C8B-B14F-4D97-AF65-F5344CB8AC3E}">
-        <p14:creationId xmlns:p14="http://schemas.microsoft.com/office/powerpoint/2010/main" val="4200112610"/>
+        <p14:creationId xmlns:p14="http://schemas.microsoft.com/office/powerpoint/2010/main" val="526114246"/>
       </p:ext>
     </p:extLst>
   </p:cSld>
@@ -953,7 +953,7 @@
           <p:cNvPr id="2" name="标题 1">
             <a:extLst>
               <a:ext uri="{FF2B5EF4-FFF2-40B4-BE49-F238E27FC236}">
-                <a16:creationId xmlns:a16="http://schemas.microsoft.com/office/drawing/2014/main" id="{A6CFF46E-BBB7-D78E-32E0-EC02F7AEFEC1}"/>
+                <a16:creationId xmlns:a16="http://schemas.microsoft.com/office/drawing/2014/main" id="{71123DDC-A5DF-18D7-1B8D-3FF45C58F357}"/>
               </a:ext>
             </a:extLst>
           </p:cNvPr>
@@ -990,7 +990,7 @@
           <p:cNvPr id="3" name="文本占位符 2">
             <a:extLst>
               <a:ext uri="{FF2B5EF4-FFF2-40B4-BE49-F238E27FC236}">
-                <a16:creationId xmlns:a16="http://schemas.microsoft.com/office/drawing/2014/main" id="{09BF6E06-15C4-1EE7-0905-6F808842882D}"/>
+                <a16:creationId xmlns:a16="http://schemas.microsoft.com/office/drawing/2014/main" id="{06065083-593B-919F-3EF6-F888EB0FF063}"/>
               </a:ext>
             </a:extLst>
           </p:cNvPr>
@@ -1115,7 +1115,7 @@
           <p:cNvPr id="4" name="日期占位符 3">
             <a:extLst>
               <a:ext uri="{FF2B5EF4-FFF2-40B4-BE49-F238E27FC236}">
-                <a16:creationId xmlns:a16="http://schemas.microsoft.com/office/drawing/2014/main" id="{EC5E7261-3FBD-A17C-0478-6BFF7ABD6812}"/>
+                <a16:creationId xmlns:a16="http://schemas.microsoft.com/office/drawing/2014/main" id="{91AF1401-5545-1BD0-3E82-D35416CD8399}"/>
               </a:ext>
             </a:extLst>
           </p:cNvPr>
@@ -1131,7 +1131,7 @@
           <a:bodyPr/>
           <a:lstStyle/>
           <a:p>
-            <a:fld id="{F722C579-4CED-4A3D-B255-538E77C904CB}" type="datetimeFigureOut">
+            <a:fld id="{2C272E97-1D81-47DD-BEBB-E0E1654830EB}" type="datetimeFigureOut">
               <a:rPr lang="zh-CN" altLang="en-US" smtClean="0"/>
               <a:t>2024/3/10</a:t>
             </a:fld>
@@ -1144,7 +1144,7 @@
           <p:cNvPr id="5" name="页脚占位符 4">
             <a:extLst>
               <a:ext uri="{FF2B5EF4-FFF2-40B4-BE49-F238E27FC236}">
-                <a16:creationId xmlns:a16="http://schemas.microsoft.com/office/drawing/2014/main" id="{5109D1C2-3BBA-044F-6583-76A9227952AC}"/>
+                <a16:creationId xmlns:a16="http://schemas.microsoft.com/office/drawing/2014/main" id="{0E350CDD-FAEA-5AA0-9F7A-423AA3D9415B}"/>
               </a:ext>
             </a:extLst>
           </p:cNvPr>
@@ -1169,7 +1169,7 @@
           <p:cNvPr id="6" name="灯片编号占位符 5">
             <a:extLst>
               <a:ext uri="{FF2B5EF4-FFF2-40B4-BE49-F238E27FC236}">
-                <a16:creationId xmlns:a16="http://schemas.microsoft.com/office/drawing/2014/main" id="{3BD29DC4-71A4-E4A3-64B0-502531BAB9C4}"/>
+                <a16:creationId xmlns:a16="http://schemas.microsoft.com/office/drawing/2014/main" id="{ABB6CA8E-B806-CADD-762A-98BFB7BAB71B}"/>
               </a:ext>
             </a:extLst>
           </p:cNvPr>
@@ -1185,7 +1185,7 @@
           <a:bodyPr/>
           <a:lstStyle/>
           <a:p>
-            <a:fld id="{11C9A1C7-94DA-4D2E-AC32-97BBE0A42EC2}" type="slidenum">
+            <a:fld id="{A26B2B7B-7820-434D-8353-467D6CDEAA1B}" type="slidenum">
               <a:rPr lang="zh-CN" altLang="en-US" smtClean="0"/>
               <a:t>‹#›</a:t>
             </a:fld>
@@ -1196,7 +1196,7 @@
     </p:spTree>
     <p:extLst>
       <p:ext uri="{BB962C8B-B14F-4D97-AF65-F5344CB8AC3E}">
-        <p14:creationId xmlns:p14="http://schemas.microsoft.com/office/powerpoint/2010/main" val="1232976114"/>
+        <p14:creationId xmlns:p14="http://schemas.microsoft.com/office/powerpoint/2010/main" val="4241550344"/>
       </p:ext>
     </p:extLst>
   </p:cSld>
@@ -1228,7 +1228,7 @@
           <p:cNvPr id="2" name="标题 1">
             <a:extLst>
               <a:ext uri="{FF2B5EF4-FFF2-40B4-BE49-F238E27FC236}">
-                <a16:creationId xmlns:a16="http://schemas.microsoft.com/office/drawing/2014/main" id="{5B6130F0-37A9-A24A-3395-865A2853ADC5}"/>
+                <a16:creationId xmlns:a16="http://schemas.microsoft.com/office/drawing/2014/main" id="{C8375BF2-3032-61D8-C5EC-FC7B11DDB049}"/>
               </a:ext>
             </a:extLst>
           </p:cNvPr>
@@ -1256,7 +1256,7 @@
           <p:cNvPr id="3" name="内容占位符 2">
             <a:extLst>
               <a:ext uri="{FF2B5EF4-FFF2-40B4-BE49-F238E27FC236}">
-                <a16:creationId xmlns:a16="http://schemas.microsoft.com/office/drawing/2014/main" id="{4443FBFD-A511-CEE6-644B-3067E7688EBA}"/>
+                <a16:creationId xmlns:a16="http://schemas.microsoft.com/office/drawing/2014/main" id="{FB977DD9-92F1-EF4F-CEE4-5DF2C4595E52}"/>
               </a:ext>
             </a:extLst>
           </p:cNvPr>
@@ -1318,7 +1318,7 @@
           <p:cNvPr id="4" name="内容占位符 3">
             <a:extLst>
               <a:ext uri="{FF2B5EF4-FFF2-40B4-BE49-F238E27FC236}">
-                <a16:creationId xmlns:a16="http://schemas.microsoft.com/office/drawing/2014/main" id="{0ECE2AD5-BD89-1AA2-DF93-9438F23EF06E}"/>
+                <a16:creationId xmlns:a16="http://schemas.microsoft.com/office/drawing/2014/main" id="{1CCC3319-BA69-780E-0DFC-D1D07A8F5E27}"/>
               </a:ext>
             </a:extLst>
           </p:cNvPr>
@@ -1380,7 +1380,7 @@
           <p:cNvPr id="5" name="日期占位符 4">
             <a:extLst>
               <a:ext uri="{FF2B5EF4-FFF2-40B4-BE49-F238E27FC236}">
-                <a16:creationId xmlns:a16="http://schemas.microsoft.com/office/drawing/2014/main" id="{C1F3DC7E-950C-2D58-B92B-B54F33A845C2}"/>
+                <a16:creationId xmlns:a16="http://schemas.microsoft.com/office/drawing/2014/main" id="{ACEFBDFD-0FBB-AC22-161C-7358C95BC3CB}"/>
               </a:ext>
             </a:extLst>
           </p:cNvPr>
@@ -1396,7 +1396,7 @@
           <a:bodyPr/>
           <a:lstStyle/>
           <a:p>
-            <a:fld id="{F722C579-4CED-4A3D-B255-538E77C904CB}" type="datetimeFigureOut">
+            <a:fld id="{2C272E97-1D81-47DD-BEBB-E0E1654830EB}" type="datetimeFigureOut">
               <a:rPr lang="zh-CN" altLang="en-US" smtClean="0"/>
               <a:t>2024/3/10</a:t>
             </a:fld>
@@ -1409,7 +1409,7 @@
           <p:cNvPr id="6" name="页脚占位符 5">
             <a:extLst>
               <a:ext uri="{FF2B5EF4-FFF2-40B4-BE49-F238E27FC236}">
-                <a16:creationId xmlns:a16="http://schemas.microsoft.com/office/drawing/2014/main" id="{F79840AC-3739-01A9-E867-DD6DFFF8B922}"/>
+                <a16:creationId xmlns:a16="http://schemas.microsoft.com/office/drawing/2014/main" id="{E0A0215F-973E-AAFD-2BB4-061D326E20EF}"/>
               </a:ext>
             </a:extLst>
           </p:cNvPr>
@@ -1434,7 +1434,7 @@
           <p:cNvPr id="7" name="灯片编号占位符 6">
             <a:extLst>
               <a:ext uri="{FF2B5EF4-FFF2-40B4-BE49-F238E27FC236}">
-                <a16:creationId xmlns:a16="http://schemas.microsoft.com/office/drawing/2014/main" id="{5C43E61B-813A-A37B-CF76-5526C8462A17}"/>
+                <a16:creationId xmlns:a16="http://schemas.microsoft.com/office/drawing/2014/main" id="{0D3EABBD-4B00-93E2-1705-21E216796827}"/>
               </a:ext>
             </a:extLst>
           </p:cNvPr>
@@ -1450,7 +1450,7 @@
           <a:bodyPr/>
           <a:lstStyle/>
           <a:p>
-            <a:fld id="{11C9A1C7-94DA-4D2E-AC32-97BBE0A42EC2}" type="slidenum">
+            <a:fld id="{A26B2B7B-7820-434D-8353-467D6CDEAA1B}" type="slidenum">
               <a:rPr lang="zh-CN" altLang="en-US" smtClean="0"/>
               <a:t>‹#›</a:t>
             </a:fld>
@@ -1461,7 +1461,7 @@
     </p:spTree>
     <p:extLst>
       <p:ext uri="{BB962C8B-B14F-4D97-AF65-F5344CB8AC3E}">
-        <p14:creationId xmlns:p14="http://schemas.microsoft.com/office/powerpoint/2010/main" val="4048110516"/>
+        <p14:creationId xmlns:p14="http://schemas.microsoft.com/office/powerpoint/2010/main" val="162177943"/>
       </p:ext>
     </p:extLst>
   </p:cSld>
@@ -1493,7 +1493,7 @@
           <p:cNvPr id="2" name="标题 1">
             <a:extLst>
               <a:ext uri="{FF2B5EF4-FFF2-40B4-BE49-F238E27FC236}">
-                <a16:creationId xmlns:a16="http://schemas.microsoft.com/office/drawing/2014/main" id="{37A5DEAC-3086-5AAC-E296-BB2FE77AA7EF}"/>
+                <a16:creationId xmlns:a16="http://schemas.microsoft.com/office/drawing/2014/main" id="{E27A98A8-D100-E1DA-F122-3676F75487E6}"/>
               </a:ext>
             </a:extLst>
           </p:cNvPr>
@@ -1526,7 +1526,7 @@
           <p:cNvPr id="3" name="文本占位符 2">
             <a:extLst>
               <a:ext uri="{FF2B5EF4-FFF2-40B4-BE49-F238E27FC236}">
-                <a16:creationId xmlns:a16="http://schemas.microsoft.com/office/drawing/2014/main" id="{254553AC-35A1-4A04-3CB8-C6150C516C2A}"/>
+                <a16:creationId xmlns:a16="http://schemas.microsoft.com/office/drawing/2014/main" id="{C690D505-DD6A-8EAE-161D-4DB3E05A9FB8}"/>
               </a:ext>
             </a:extLst>
           </p:cNvPr>
@@ -1597,7 +1597,7 @@
           <p:cNvPr id="4" name="内容占位符 3">
             <a:extLst>
               <a:ext uri="{FF2B5EF4-FFF2-40B4-BE49-F238E27FC236}">
-                <a16:creationId xmlns:a16="http://schemas.microsoft.com/office/drawing/2014/main" id="{DBA0B7F3-2C76-C9A2-C6B1-113BDAB96021}"/>
+                <a16:creationId xmlns:a16="http://schemas.microsoft.com/office/drawing/2014/main" id="{D93E4B50-F9F7-48F7-1E9A-428D32143E5F}"/>
               </a:ext>
             </a:extLst>
           </p:cNvPr>
@@ -1659,7 +1659,7 @@
           <p:cNvPr id="5" name="文本占位符 4">
             <a:extLst>
               <a:ext uri="{FF2B5EF4-FFF2-40B4-BE49-F238E27FC236}">
-                <a16:creationId xmlns:a16="http://schemas.microsoft.com/office/drawing/2014/main" id="{278D5BBF-E6CE-13B9-C043-58D7FFBEDCE7}"/>
+                <a16:creationId xmlns:a16="http://schemas.microsoft.com/office/drawing/2014/main" id="{D852E423-B5D8-EBC3-E37D-5F17C1FFEC39}"/>
               </a:ext>
             </a:extLst>
           </p:cNvPr>
@@ -1730,7 +1730,7 @@
           <p:cNvPr id="6" name="内容占位符 5">
             <a:extLst>
               <a:ext uri="{FF2B5EF4-FFF2-40B4-BE49-F238E27FC236}">
-                <a16:creationId xmlns:a16="http://schemas.microsoft.com/office/drawing/2014/main" id="{5D404839-B6F0-7CB1-FDAF-8CE6F414329B}"/>
+                <a16:creationId xmlns:a16="http://schemas.microsoft.com/office/drawing/2014/main" id="{89445D8E-976B-1FB7-73F8-D6E99355A3DA}"/>
               </a:ext>
             </a:extLst>
           </p:cNvPr>
@@ -1792,7 +1792,7 @@
           <p:cNvPr id="7" name="日期占位符 6">
             <a:extLst>
               <a:ext uri="{FF2B5EF4-FFF2-40B4-BE49-F238E27FC236}">
-                <a16:creationId xmlns:a16="http://schemas.microsoft.com/office/drawing/2014/main" id="{685AE98B-1860-0DC5-70A2-6CB5F3546BBD}"/>
+                <a16:creationId xmlns:a16="http://schemas.microsoft.com/office/drawing/2014/main" id="{DEC8A906-C86B-EC0B-FF83-E943210A1F86}"/>
               </a:ext>
             </a:extLst>
           </p:cNvPr>
@@ -1808,7 +1808,7 @@
           <a:bodyPr/>
           <a:lstStyle/>
           <a:p>
-            <a:fld id="{F722C579-4CED-4A3D-B255-538E77C904CB}" type="datetimeFigureOut">
+            <a:fld id="{2C272E97-1D81-47DD-BEBB-E0E1654830EB}" type="datetimeFigureOut">
               <a:rPr lang="zh-CN" altLang="en-US" smtClean="0"/>
               <a:t>2024/3/10</a:t>
             </a:fld>
@@ -1821,7 +1821,7 @@
           <p:cNvPr id="8" name="页脚占位符 7">
             <a:extLst>
               <a:ext uri="{FF2B5EF4-FFF2-40B4-BE49-F238E27FC236}">
-                <a16:creationId xmlns:a16="http://schemas.microsoft.com/office/drawing/2014/main" id="{7B42DB03-0D21-078B-4B0C-F2E676E5D8E4}"/>
+                <a16:creationId xmlns:a16="http://schemas.microsoft.com/office/drawing/2014/main" id="{CE18E4C7-2068-3514-4C0F-976EBE76475C}"/>
               </a:ext>
             </a:extLst>
           </p:cNvPr>
@@ -1846,7 +1846,7 @@
           <p:cNvPr id="9" name="灯片编号占位符 8">
             <a:extLst>
               <a:ext uri="{FF2B5EF4-FFF2-40B4-BE49-F238E27FC236}">
-                <a16:creationId xmlns:a16="http://schemas.microsoft.com/office/drawing/2014/main" id="{59A8A937-3205-A5E8-11FE-51717408E31B}"/>
+                <a16:creationId xmlns:a16="http://schemas.microsoft.com/office/drawing/2014/main" id="{24528BF1-B283-4A3B-203E-C8E59A65CE0C}"/>
               </a:ext>
             </a:extLst>
           </p:cNvPr>
@@ -1862,7 +1862,7 @@
           <a:bodyPr/>
           <a:lstStyle/>
           <a:p>
-            <a:fld id="{11C9A1C7-94DA-4D2E-AC32-97BBE0A42EC2}" type="slidenum">
+            <a:fld id="{A26B2B7B-7820-434D-8353-467D6CDEAA1B}" type="slidenum">
               <a:rPr lang="zh-CN" altLang="en-US" smtClean="0"/>
               <a:t>‹#›</a:t>
             </a:fld>
@@ -1873,7 +1873,7 @@
     </p:spTree>
     <p:extLst>
       <p:ext uri="{BB962C8B-B14F-4D97-AF65-F5344CB8AC3E}">
-        <p14:creationId xmlns:p14="http://schemas.microsoft.com/office/powerpoint/2010/main" val="2261606355"/>
+        <p14:creationId xmlns:p14="http://schemas.microsoft.com/office/powerpoint/2010/main" val="745535184"/>
       </p:ext>
     </p:extLst>
   </p:cSld>
@@ -1905,7 +1905,7 @@
           <p:cNvPr id="2" name="标题 1">
             <a:extLst>
               <a:ext uri="{FF2B5EF4-FFF2-40B4-BE49-F238E27FC236}">
-                <a16:creationId xmlns:a16="http://schemas.microsoft.com/office/drawing/2014/main" id="{1239E924-85CF-DCEE-C20E-80FDC9AC61B0}"/>
+                <a16:creationId xmlns:a16="http://schemas.microsoft.com/office/drawing/2014/main" id="{C89CFE22-9391-B269-786F-1F4AE4A69771}"/>
               </a:ext>
             </a:extLst>
           </p:cNvPr>
@@ -1933,7 +1933,7 @@
           <p:cNvPr id="3" name="日期占位符 2">
             <a:extLst>
               <a:ext uri="{FF2B5EF4-FFF2-40B4-BE49-F238E27FC236}">
-                <a16:creationId xmlns:a16="http://schemas.microsoft.com/office/drawing/2014/main" id="{4ACB8780-CEA8-55FB-E581-6749919D8EAE}"/>
+                <a16:creationId xmlns:a16="http://schemas.microsoft.com/office/drawing/2014/main" id="{CC3ABEA9-E097-9A09-D38C-6D193BCA3517}"/>
               </a:ext>
             </a:extLst>
           </p:cNvPr>
@@ -1949,7 +1949,7 @@
           <a:bodyPr/>
           <a:lstStyle/>
           <a:p>
-            <a:fld id="{F722C579-4CED-4A3D-B255-538E77C904CB}" type="datetimeFigureOut">
+            <a:fld id="{2C272E97-1D81-47DD-BEBB-E0E1654830EB}" type="datetimeFigureOut">
               <a:rPr lang="zh-CN" altLang="en-US" smtClean="0"/>
               <a:t>2024/3/10</a:t>
             </a:fld>
@@ -1962,7 +1962,7 @@
           <p:cNvPr id="4" name="页脚占位符 3">
             <a:extLst>
               <a:ext uri="{FF2B5EF4-FFF2-40B4-BE49-F238E27FC236}">
-                <a16:creationId xmlns:a16="http://schemas.microsoft.com/office/drawing/2014/main" id="{E1CC0554-DF73-EE76-4E1A-1EC88FDD4EDE}"/>
+                <a16:creationId xmlns:a16="http://schemas.microsoft.com/office/drawing/2014/main" id="{FAAFB9FF-FFC6-4EFB-A4AE-6FDFC37F5423}"/>
               </a:ext>
             </a:extLst>
           </p:cNvPr>
@@ -1987,7 +1987,7 @@
           <p:cNvPr id="5" name="灯片编号占位符 4">
             <a:extLst>
               <a:ext uri="{FF2B5EF4-FFF2-40B4-BE49-F238E27FC236}">
-                <a16:creationId xmlns:a16="http://schemas.microsoft.com/office/drawing/2014/main" id="{2554B643-8053-347A-9538-ACF173898EAA}"/>
+                <a16:creationId xmlns:a16="http://schemas.microsoft.com/office/drawing/2014/main" id="{7352A391-A9CD-1B1D-F2C1-872F4C297805}"/>
               </a:ext>
             </a:extLst>
           </p:cNvPr>
@@ -2003,7 +2003,7 @@
           <a:bodyPr/>
           <a:lstStyle/>
           <a:p>
-            <a:fld id="{11C9A1C7-94DA-4D2E-AC32-97BBE0A42EC2}" type="slidenum">
+            <a:fld id="{A26B2B7B-7820-434D-8353-467D6CDEAA1B}" type="slidenum">
               <a:rPr lang="zh-CN" altLang="en-US" smtClean="0"/>
               <a:t>‹#›</a:t>
             </a:fld>
@@ -2014,7 +2014,7 @@
     </p:spTree>
     <p:extLst>
       <p:ext uri="{BB962C8B-B14F-4D97-AF65-F5344CB8AC3E}">
-        <p14:creationId xmlns:p14="http://schemas.microsoft.com/office/powerpoint/2010/main" val="4134062483"/>
+        <p14:creationId xmlns:p14="http://schemas.microsoft.com/office/powerpoint/2010/main" val="939938975"/>
       </p:ext>
     </p:extLst>
   </p:cSld>
@@ -2046,7 +2046,7 @@
           <p:cNvPr id="2" name="日期占位符 1">
             <a:extLst>
               <a:ext uri="{FF2B5EF4-FFF2-40B4-BE49-F238E27FC236}">
-                <a16:creationId xmlns:a16="http://schemas.microsoft.com/office/drawing/2014/main" id="{BB88814C-C08E-A005-D2B6-7095A53D7FC7}"/>
+                <a16:creationId xmlns:a16="http://schemas.microsoft.com/office/drawing/2014/main" id="{C6553105-55CE-FF6E-D9D3-43FA071446DF}"/>
               </a:ext>
             </a:extLst>
           </p:cNvPr>
@@ -2062,7 +2062,7 @@
           <a:bodyPr/>
           <a:lstStyle/>
           <a:p>
-            <a:fld id="{F722C579-4CED-4A3D-B255-538E77C904CB}" type="datetimeFigureOut">
+            <a:fld id="{2C272E97-1D81-47DD-BEBB-E0E1654830EB}" type="datetimeFigureOut">
               <a:rPr lang="zh-CN" altLang="en-US" smtClean="0"/>
               <a:t>2024/3/10</a:t>
             </a:fld>
@@ -2075,7 +2075,7 @@
           <p:cNvPr id="3" name="页脚占位符 2">
             <a:extLst>
               <a:ext uri="{FF2B5EF4-FFF2-40B4-BE49-F238E27FC236}">
-                <a16:creationId xmlns:a16="http://schemas.microsoft.com/office/drawing/2014/main" id="{C1839C4E-A1DC-3C5F-1F5E-AE4FF1884261}"/>
+                <a16:creationId xmlns:a16="http://schemas.microsoft.com/office/drawing/2014/main" id="{B7E14005-A41F-B4C4-7FFF-101DCCD7E3A3}"/>
               </a:ext>
             </a:extLst>
           </p:cNvPr>
@@ -2100,7 +2100,7 @@
           <p:cNvPr id="4" name="灯片编号占位符 3">
             <a:extLst>
               <a:ext uri="{FF2B5EF4-FFF2-40B4-BE49-F238E27FC236}">
-                <a16:creationId xmlns:a16="http://schemas.microsoft.com/office/drawing/2014/main" id="{4C2C5701-DD26-CF04-5868-5FA2AC65763F}"/>
+                <a16:creationId xmlns:a16="http://schemas.microsoft.com/office/drawing/2014/main" id="{03535682-3A73-46A1-6CAB-1640073353AC}"/>
               </a:ext>
             </a:extLst>
           </p:cNvPr>
@@ -2116,7 +2116,7 @@
           <a:bodyPr/>
           <a:lstStyle/>
           <a:p>
-            <a:fld id="{11C9A1C7-94DA-4D2E-AC32-97BBE0A42EC2}" type="slidenum">
+            <a:fld id="{A26B2B7B-7820-434D-8353-467D6CDEAA1B}" type="slidenum">
               <a:rPr lang="zh-CN" altLang="en-US" smtClean="0"/>
               <a:t>‹#›</a:t>
             </a:fld>
@@ -2127,7 +2127,7 @@
     </p:spTree>
     <p:extLst>
       <p:ext uri="{BB962C8B-B14F-4D97-AF65-F5344CB8AC3E}">
-        <p14:creationId xmlns:p14="http://schemas.microsoft.com/office/powerpoint/2010/main" val="1987295539"/>
+        <p14:creationId xmlns:p14="http://schemas.microsoft.com/office/powerpoint/2010/main" val="1754153324"/>
       </p:ext>
     </p:extLst>
   </p:cSld>
@@ -2159,7 +2159,7 @@
           <p:cNvPr id="2" name="标题 1">
             <a:extLst>
               <a:ext uri="{FF2B5EF4-FFF2-40B4-BE49-F238E27FC236}">
-                <a16:creationId xmlns:a16="http://schemas.microsoft.com/office/drawing/2014/main" id="{D25CED44-D038-CEBC-9737-FD736DE6C316}"/>
+                <a16:creationId xmlns:a16="http://schemas.microsoft.com/office/drawing/2014/main" id="{0523A143-6801-68D3-0AD2-9A8DD0C45E48}"/>
               </a:ext>
             </a:extLst>
           </p:cNvPr>
@@ -2196,7 +2196,7 @@
           <p:cNvPr id="3" name="内容占位符 2">
             <a:extLst>
               <a:ext uri="{FF2B5EF4-FFF2-40B4-BE49-F238E27FC236}">
-                <a16:creationId xmlns:a16="http://schemas.microsoft.com/office/drawing/2014/main" id="{A53D5641-5672-C852-31B8-79E356A748AA}"/>
+                <a16:creationId xmlns:a16="http://schemas.microsoft.com/office/drawing/2014/main" id="{FD39B89B-14B0-C8AC-AFBB-A810E521D54D}"/>
               </a:ext>
             </a:extLst>
           </p:cNvPr>
@@ -2286,7 +2286,7 @@
           <p:cNvPr id="4" name="文本占位符 3">
             <a:extLst>
               <a:ext uri="{FF2B5EF4-FFF2-40B4-BE49-F238E27FC236}">
-                <a16:creationId xmlns:a16="http://schemas.microsoft.com/office/drawing/2014/main" id="{6EFEE0D3-EF4A-7C0F-1051-4081C05C5D79}"/>
+                <a16:creationId xmlns:a16="http://schemas.microsoft.com/office/drawing/2014/main" id="{118D2A23-0C73-F4F3-C8CE-279D50D7E8EF}"/>
               </a:ext>
             </a:extLst>
           </p:cNvPr>
@@ -2357,7 +2357,7 @@
           <p:cNvPr id="5" name="日期占位符 4">
             <a:extLst>
               <a:ext uri="{FF2B5EF4-FFF2-40B4-BE49-F238E27FC236}">
-                <a16:creationId xmlns:a16="http://schemas.microsoft.com/office/drawing/2014/main" id="{8623984E-BC10-2AAA-6C1D-E52C474F7836}"/>
+                <a16:creationId xmlns:a16="http://schemas.microsoft.com/office/drawing/2014/main" id="{90D46616-990A-9A48-5399-E1281D0AD839}"/>
               </a:ext>
             </a:extLst>
           </p:cNvPr>
@@ -2373,7 +2373,7 @@
           <a:bodyPr/>
           <a:lstStyle/>
           <a:p>
-            <a:fld id="{F722C579-4CED-4A3D-B255-538E77C904CB}" type="datetimeFigureOut">
+            <a:fld id="{2C272E97-1D81-47DD-BEBB-E0E1654830EB}" type="datetimeFigureOut">
               <a:rPr lang="zh-CN" altLang="en-US" smtClean="0"/>
               <a:t>2024/3/10</a:t>
             </a:fld>
@@ -2386,7 +2386,7 @@
           <p:cNvPr id="6" name="页脚占位符 5">
             <a:extLst>
               <a:ext uri="{FF2B5EF4-FFF2-40B4-BE49-F238E27FC236}">
-                <a16:creationId xmlns:a16="http://schemas.microsoft.com/office/drawing/2014/main" id="{84477688-E9F0-2C83-36FC-95D2775340D4}"/>
+                <a16:creationId xmlns:a16="http://schemas.microsoft.com/office/drawing/2014/main" id="{C920D20E-E9E4-A681-76E4-A1B85CDCCFE3}"/>
               </a:ext>
             </a:extLst>
           </p:cNvPr>
@@ -2411,7 +2411,7 @@
           <p:cNvPr id="7" name="灯片编号占位符 6">
             <a:extLst>
               <a:ext uri="{FF2B5EF4-FFF2-40B4-BE49-F238E27FC236}">
-                <a16:creationId xmlns:a16="http://schemas.microsoft.com/office/drawing/2014/main" id="{5CA511DA-B798-5CD4-3526-B186533B523B}"/>
+                <a16:creationId xmlns:a16="http://schemas.microsoft.com/office/drawing/2014/main" id="{37BA0C22-0E33-2BBD-24AC-CB24526DC00B}"/>
               </a:ext>
             </a:extLst>
           </p:cNvPr>
@@ -2427,7 +2427,7 @@
           <a:bodyPr/>
           <a:lstStyle/>
           <a:p>
-            <a:fld id="{11C9A1C7-94DA-4D2E-AC32-97BBE0A42EC2}" type="slidenum">
+            <a:fld id="{A26B2B7B-7820-434D-8353-467D6CDEAA1B}" type="slidenum">
               <a:rPr lang="zh-CN" altLang="en-US" smtClean="0"/>
               <a:t>‹#›</a:t>
             </a:fld>
@@ -2438,7 +2438,7 @@
     </p:spTree>
     <p:extLst>
       <p:ext uri="{BB962C8B-B14F-4D97-AF65-F5344CB8AC3E}">
-        <p14:creationId xmlns:p14="http://schemas.microsoft.com/office/powerpoint/2010/main" val="3434302134"/>
+        <p14:creationId xmlns:p14="http://schemas.microsoft.com/office/powerpoint/2010/main" val="1656254021"/>
       </p:ext>
     </p:extLst>
   </p:cSld>
@@ -2470,7 +2470,7 @@
           <p:cNvPr id="2" name="标题 1">
             <a:extLst>
               <a:ext uri="{FF2B5EF4-FFF2-40B4-BE49-F238E27FC236}">
-                <a16:creationId xmlns:a16="http://schemas.microsoft.com/office/drawing/2014/main" id="{4451E080-06B0-42F2-4E06-B479F4641471}"/>
+                <a16:creationId xmlns:a16="http://schemas.microsoft.com/office/drawing/2014/main" id="{3C957226-1AA2-78F9-7447-2456530AD805}"/>
               </a:ext>
             </a:extLst>
           </p:cNvPr>
@@ -2507,7 +2507,7 @@
           <p:cNvPr id="3" name="图片占位符 2">
             <a:extLst>
               <a:ext uri="{FF2B5EF4-FFF2-40B4-BE49-F238E27FC236}">
-                <a16:creationId xmlns:a16="http://schemas.microsoft.com/office/drawing/2014/main" id="{C5BBEF3A-0851-97F2-C226-1586418EA5AB}"/>
+                <a16:creationId xmlns:a16="http://schemas.microsoft.com/office/drawing/2014/main" id="{EE3DD183-7BF1-0A15-8B01-9E7C13D32117}"/>
               </a:ext>
             </a:extLst>
           </p:cNvPr>
@@ -2574,7 +2574,7 @@
           <p:cNvPr id="4" name="文本占位符 3">
             <a:extLst>
               <a:ext uri="{FF2B5EF4-FFF2-40B4-BE49-F238E27FC236}">
-                <a16:creationId xmlns:a16="http://schemas.microsoft.com/office/drawing/2014/main" id="{FE7FDA50-8A28-2FCB-FFAC-1473E09D5E17}"/>
+                <a16:creationId xmlns:a16="http://schemas.microsoft.com/office/drawing/2014/main" id="{9BB4F09B-D957-E9AC-780F-B8B42B591399}"/>
               </a:ext>
             </a:extLst>
           </p:cNvPr>
@@ -2645,7 +2645,7 @@
           <p:cNvPr id="5" name="日期占位符 4">
             <a:extLst>
               <a:ext uri="{FF2B5EF4-FFF2-40B4-BE49-F238E27FC236}">
-                <a16:creationId xmlns:a16="http://schemas.microsoft.com/office/drawing/2014/main" id="{BED6014D-B1D7-A6F8-D3A2-ED1D2F2A45A7}"/>
+                <a16:creationId xmlns:a16="http://schemas.microsoft.com/office/drawing/2014/main" id="{CD20F5B2-DD5F-3B36-ABF5-C234A6F3DD85}"/>
               </a:ext>
             </a:extLst>
           </p:cNvPr>
@@ -2661,7 +2661,7 @@
           <a:bodyPr/>
           <a:lstStyle/>
           <a:p>
-            <a:fld id="{F722C579-4CED-4A3D-B255-538E77C904CB}" type="datetimeFigureOut">
+            <a:fld id="{2C272E97-1D81-47DD-BEBB-E0E1654830EB}" type="datetimeFigureOut">
               <a:rPr lang="zh-CN" altLang="en-US" smtClean="0"/>
               <a:t>2024/3/10</a:t>
             </a:fld>
@@ -2674,7 +2674,7 @@
           <p:cNvPr id="6" name="页脚占位符 5">
             <a:extLst>
               <a:ext uri="{FF2B5EF4-FFF2-40B4-BE49-F238E27FC236}">
-                <a16:creationId xmlns:a16="http://schemas.microsoft.com/office/drawing/2014/main" id="{C3B73C56-0E6C-9CED-198A-B4ADDA530E95}"/>
+                <a16:creationId xmlns:a16="http://schemas.microsoft.com/office/drawing/2014/main" id="{758827A8-FA3F-F408-AD7D-5723505703CF}"/>
               </a:ext>
             </a:extLst>
           </p:cNvPr>
@@ -2699,7 +2699,7 @@
           <p:cNvPr id="7" name="灯片编号占位符 6">
             <a:extLst>
               <a:ext uri="{FF2B5EF4-FFF2-40B4-BE49-F238E27FC236}">
-                <a16:creationId xmlns:a16="http://schemas.microsoft.com/office/drawing/2014/main" id="{5ABAA264-8F4A-222B-4277-DF2845592527}"/>
+                <a16:creationId xmlns:a16="http://schemas.microsoft.com/office/drawing/2014/main" id="{43647E1F-34B6-19DE-839B-A9F4C0EE38C1}"/>
               </a:ext>
             </a:extLst>
           </p:cNvPr>
@@ -2715,7 +2715,7 @@
           <a:bodyPr/>
           <a:lstStyle/>
           <a:p>
-            <a:fld id="{11C9A1C7-94DA-4D2E-AC32-97BBE0A42EC2}" type="slidenum">
+            <a:fld id="{A26B2B7B-7820-434D-8353-467D6CDEAA1B}" type="slidenum">
               <a:rPr lang="zh-CN" altLang="en-US" smtClean="0"/>
               <a:t>‹#›</a:t>
             </a:fld>
@@ -2726,7 +2726,7 @@
     </p:spTree>
     <p:extLst>
       <p:ext uri="{BB962C8B-B14F-4D97-AF65-F5344CB8AC3E}">
-        <p14:creationId xmlns:p14="http://schemas.microsoft.com/office/powerpoint/2010/main" val="1592903535"/>
+        <p14:creationId xmlns:p14="http://schemas.microsoft.com/office/powerpoint/2010/main" val="583031485"/>
       </p:ext>
     </p:extLst>
   </p:cSld>
@@ -2763,7 +2763,7 @@
           <p:cNvPr id="2" name="标题占位符 1">
             <a:extLst>
               <a:ext uri="{FF2B5EF4-FFF2-40B4-BE49-F238E27FC236}">
-                <a16:creationId xmlns:a16="http://schemas.microsoft.com/office/drawing/2014/main" id="{50295C61-FA63-6503-B23E-6CF2D3062E23}"/>
+                <a16:creationId xmlns:a16="http://schemas.microsoft.com/office/drawing/2014/main" id="{673F92F4-3728-6FB3-5B47-BE8B820B7071}"/>
               </a:ext>
             </a:extLst>
           </p:cNvPr>
@@ -2801,7 +2801,7 @@
           <p:cNvPr id="3" name="文本占位符 2">
             <a:extLst>
               <a:ext uri="{FF2B5EF4-FFF2-40B4-BE49-F238E27FC236}">
-                <a16:creationId xmlns:a16="http://schemas.microsoft.com/office/drawing/2014/main" id="{9D151BED-5A98-C09B-BE78-D64DAAC81AD6}"/>
+                <a16:creationId xmlns:a16="http://schemas.microsoft.com/office/drawing/2014/main" id="{1E4EB338-20DD-9F20-8B06-26B03E91A17B}"/>
               </a:ext>
             </a:extLst>
           </p:cNvPr>
@@ -2868,7 +2868,7 @@
           <p:cNvPr id="4" name="日期占位符 3">
             <a:extLst>
               <a:ext uri="{FF2B5EF4-FFF2-40B4-BE49-F238E27FC236}">
-                <a16:creationId xmlns:a16="http://schemas.microsoft.com/office/drawing/2014/main" id="{60925203-FA59-E3F3-E492-2AB19343B897}"/>
+                <a16:creationId xmlns:a16="http://schemas.microsoft.com/office/drawing/2014/main" id="{38D97E1A-D228-E7B9-39E8-C7AEE733417E}"/>
               </a:ext>
             </a:extLst>
           </p:cNvPr>
@@ -2902,7 +2902,7 @@
             </a:lvl1pPr>
           </a:lstStyle>
           <a:p>
-            <a:fld id="{F722C579-4CED-4A3D-B255-538E77C904CB}" type="datetimeFigureOut">
+            <a:fld id="{2C272E97-1D81-47DD-BEBB-E0E1654830EB}" type="datetimeFigureOut">
               <a:rPr lang="zh-CN" altLang="en-US" smtClean="0"/>
               <a:t>2024/3/10</a:t>
             </a:fld>
@@ -2915,7 +2915,7 @@
           <p:cNvPr id="5" name="页脚占位符 4">
             <a:extLst>
               <a:ext uri="{FF2B5EF4-FFF2-40B4-BE49-F238E27FC236}">
-                <a16:creationId xmlns:a16="http://schemas.microsoft.com/office/drawing/2014/main" id="{0C049620-C1C1-33E1-7868-ECD7D9838D04}"/>
+                <a16:creationId xmlns:a16="http://schemas.microsoft.com/office/drawing/2014/main" id="{2AF98E8F-5E98-5D21-FB63-A9DF55D54BA1}"/>
               </a:ext>
             </a:extLst>
           </p:cNvPr>
@@ -2958,7 +2958,7 @@
           <p:cNvPr id="6" name="灯片编号占位符 5">
             <a:extLst>
               <a:ext uri="{FF2B5EF4-FFF2-40B4-BE49-F238E27FC236}">
-                <a16:creationId xmlns:a16="http://schemas.microsoft.com/office/drawing/2014/main" id="{33EDCC7C-C500-4CCA-D83B-20CBD75F3110}"/>
+                <a16:creationId xmlns:a16="http://schemas.microsoft.com/office/drawing/2014/main" id="{C3B2A7F5-745A-FF95-4BCB-A8AC4F09C38B}"/>
               </a:ext>
             </a:extLst>
           </p:cNvPr>
@@ -2992,7 +2992,7 @@
             </a:lvl1pPr>
           </a:lstStyle>
           <a:p>
-            <a:fld id="{11C9A1C7-94DA-4D2E-AC32-97BBE0A42EC2}" type="slidenum">
+            <a:fld id="{A26B2B7B-7820-434D-8353-467D6CDEAA1B}" type="slidenum">
               <a:rPr lang="zh-CN" altLang="en-US" smtClean="0"/>
               <a:t>‹#›</a:t>
             </a:fld>
@@ -3003,7 +3003,7 @@
     </p:spTree>
     <p:extLst>
       <p:ext uri="{BB962C8B-B14F-4D97-AF65-F5344CB8AC3E}">
-        <p14:creationId xmlns:p14="http://schemas.microsoft.com/office/powerpoint/2010/main" val="2954551525"/>
+        <p14:creationId xmlns:p14="http://schemas.microsoft.com/office/powerpoint/2010/main" val="1993618030"/>
       </p:ext>
     </p:extLst>
   </p:cSld>
@@ -3323,7 +3323,7 @@
       </p:grpSpPr>
       <p:pic>
         <p:nvPicPr>
-          <p:cNvPr id="288770" name="Picture 2" descr="281"/>
+          <p:cNvPr id="289794" name="Picture 2" descr="282"/>
           <p:cNvPicPr>
             <a:picLocks noChangeAspect="1" noChangeArrowheads="1"/>
           </p:cNvPicPr>
@@ -3375,158 +3375,11 @@
           </a:extLst>
         </p:spPr>
       </p:pic>
-      <p:pic>
-        <p:nvPicPr>
-          <p:cNvPr id="289795" name="Picture 3" descr="281-2"/>
-          <p:cNvPicPr>
-            <a:picLocks noChangeAspect="1" noChangeArrowheads="1"/>
-          </p:cNvPicPr>
-          <p:nvPr/>
-        </p:nvPicPr>
-        <p:blipFill>
-          <a:blip r:embed="rId3">
-            <a:extLst>
-              <a:ext uri="{28A0092B-C50C-407E-A947-70E740481C1C}">
-                <a14:useLocalDpi xmlns:a14="http://schemas.microsoft.com/office/drawing/2010/main" val="0"/>
-              </a:ext>
-            </a:extLst>
-          </a:blip>
-          <a:srcRect/>
-          <a:stretch>
-            <a:fillRect/>
-          </a:stretch>
-        </p:blipFill>
-        <p:spPr bwMode="auto">
-          <a:xfrm>
-            <a:off x="1524000" y="0"/>
-            <a:ext cx="9144000" cy="5949950"/>
-          </a:xfrm>
-          <a:prstGeom prst="rect">
-            <a:avLst/>
-          </a:prstGeom>
-          <a:noFill/>
-          <a:ln>
-            <a:noFill/>
-          </a:ln>
-          <a:effectLst/>
-          <a:extLst>
-            <a:ext uri="{909E8E84-426E-40DD-AFC4-6F175D3DCCD1}">
-              <a14:hiddenFill xmlns:a14="http://schemas.microsoft.com/office/drawing/2010/main">
-                <a:solidFill>
-                  <a:srgbClr val="FFFFFF"/>
-                </a:solidFill>
-              </a14:hiddenFill>
-            </a:ext>
-            <a:ext uri="{91240B29-F687-4F45-9708-019B960494DF}">
-              <a14:hiddenLine xmlns:a14="http://schemas.microsoft.com/office/drawing/2010/main" w="9525">
-                <a:solidFill>
-                  <a:srgbClr val="000000"/>
-                </a:solidFill>
-                <a:miter lim="800000"/>
-                <a:headEnd/>
-                <a:tailEnd/>
-              </a14:hiddenLine>
-            </a:ext>
-            <a:ext uri="{AF507438-7753-43E0-B8FC-AC1667EBCBE1}">
-              <a14:hiddenEffects xmlns:a14="http://schemas.microsoft.com/office/drawing/2010/main">
-                <a:effectLst>
-                  <a:outerShdw dist="35921" dir="2700000" algn="ctr" rotWithShape="0">
-                    <a:srgbClr val="808080"/>
-                  </a:outerShdw>
-                </a:effectLst>
-              </a14:hiddenEffects>
-            </a:ext>
-          </a:extLst>
-        </p:spPr>
-      </p:pic>
     </p:spTree>
   </p:cSld>
   <p:clrMapOvr>
     <a:masterClrMapping/>
   </p:clrMapOvr>
-  <p:timing>
-    <p:tnLst>
-      <p:par>
-        <p:cTn id="1" dur="indefinite" restart="never" nodeType="tmRoot">
-          <p:childTnLst>
-            <p:seq concurrent="1" nextAc="seek">
-              <p:cTn id="2" dur="indefinite" nodeType="mainSeq">
-                <p:childTnLst>
-                  <p:par>
-                    <p:cTn id="3" fill="hold" nodeType="clickPar">
-                      <p:stCondLst>
-                        <p:cond delay="indefinite"/>
-                      </p:stCondLst>
-                      <p:childTnLst>
-                        <p:par>
-                          <p:cTn id="4" fill="hold" nodeType="withGroup">
-                            <p:stCondLst>
-                              <p:cond delay="0"/>
-                            </p:stCondLst>
-                            <p:childTnLst>
-                              <p:par>
-                                <p:cTn id="5" presetID="10" presetClass="entr" presetSubtype="0" fill="hold" nodeType="clickEffect">
-                                  <p:stCondLst>
-                                    <p:cond delay="0"/>
-                                  </p:stCondLst>
-                                  <p:childTnLst>
-                                    <p:set>
-                                      <p:cBhvr>
-                                        <p:cTn id="6" dur="1" fill="hold">
-                                          <p:stCondLst>
-                                            <p:cond delay="0"/>
-                                          </p:stCondLst>
-                                        </p:cTn>
-                                        <p:tgtEl>
-                                          <p:spTgt spid="289795"/>
-                                        </p:tgtEl>
-                                        <p:attrNameLst>
-                                          <p:attrName>style.visibility</p:attrName>
-                                        </p:attrNameLst>
-                                      </p:cBhvr>
-                                      <p:to>
-                                        <p:strVal val="visible"/>
-                                      </p:to>
-                                    </p:set>
-                                    <p:animEffect transition="in" filter="fade">
-                                      <p:cBhvr>
-                                        <p:cTn id="7" dur="500"/>
-                                        <p:tgtEl>
-                                          <p:spTgt spid="289795"/>
-                                        </p:tgtEl>
-                                      </p:cBhvr>
-                                    </p:animEffect>
-                                  </p:childTnLst>
-                                </p:cTn>
-                              </p:par>
-                            </p:childTnLst>
-                          </p:cTn>
-                        </p:par>
-                      </p:childTnLst>
-                    </p:cTn>
-                  </p:par>
-                </p:childTnLst>
-              </p:cTn>
-              <p:prevCondLst>
-                <p:cond evt="onPrev" delay="0">
-                  <p:tgtEl>
-                    <p:sldTgt/>
-                  </p:tgtEl>
-                </p:cond>
-              </p:prevCondLst>
-              <p:nextCondLst>
-                <p:cond evt="onNext" delay="0">
-                  <p:tgtEl>
-                    <p:sldTgt/>
-                  </p:tgtEl>
-                </p:cond>
-              </p:nextCondLst>
-            </p:seq>
-          </p:childTnLst>
-        </p:cTn>
-      </p:par>
-    </p:tnLst>
-  </p:timing>
 </p:sld>
 </file>
 
